--- a/강화학습 실제/과제/Project_1_Q Learning 응용 논문 발표_정현일_2024254022_0421.pptx
+++ b/강화학습 실제/과제/Project_1_Q Learning 응용 논문 발표_정현일_2024254022_0421.pptx
@@ -1220,127 +1220,10 @@
             <a:pPr>
               <a:buNone/>
             </a:pPr>
-            <a:r>
-              <a:rPr lang="ko-KR" altLang="en-US" dirty="0">
-                <a:effectLst/>
-                <a:latin typeface="Arial" panose="020B0604020202020204" pitchFamily="34" charset="0"/>
-              </a:rPr>
-              <a:t>안녕하세요</a:t>
-            </a:r>
-            <a:r>
-              <a:rPr lang="en-US" altLang="ko-KR" dirty="0">
-                <a:effectLst/>
-                <a:latin typeface="Arial" panose="020B0604020202020204" pitchFamily="34" charset="0"/>
-              </a:rPr>
-              <a:t>. </a:t>
-            </a:r>
-            <a:r>
-              <a:rPr lang="ko-KR" altLang="en-US" dirty="0">
-                <a:effectLst/>
-                <a:latin typeface="Arial" panose="020B0604020202020204" pitchFamily="34" charset="0"/>
-              </a:rPr>
-              <a:t>저희 </a:t>
-            </a:r>
-            <a:r>
-              <a:rPr lang="en-US" altLang="ko-KR" dirty="0">
-                <a:effectLst/>
-                <a:latin typeface="Arial" panose="020B0604020202020204" pitchFamily="34" charset="0"/>
-              </a:rPr>
-              <a:t>3</a:t>
-            </a:r>
-            <a:r>
-              <a:rPr lang="ko-KR" altLang="en-US" dirty="0">
-                <a:effectLst/>
-                <a:latin typeface="Arial" panose="020B0604020202020204" pitchFamily="34" charset="0"/>
-              </a:rPr>
-              <a:t>조가 준비한 </a:t>
-            </a:r>
-            <a:r>
-              <a:rPr lang="en-US" altLang="ko-KR" dirty="0">
-                <a:effectLst/>
-                <a:latin typeface="Arial" panose="020B0604020202020204" pitchFamily="34" charset="0"/>
-              </a:rPr>
-              <a:t>『</a:t>
-            </a:r>
-            <a:r>
-              <a:rPr lang="ko-KR" altLang="en-US" dirty="0">
-                <a:effectLst/>
-                <a:latin typeface="Arial" panose="020B0604020202020204" pitchFamily="34" charset="0"/>
-              </a:rPr>
-              <a:t>스마트 모니터링 주차관리 모델</a:t>
-            </a:r>
-            <a:r>
-              <a:rPr lang="en-US" altLang="ko-KR" dirty="0">
-                <a:effectLst/>
-                <a:latin typeface="Arial" panose="020B0604020202020204" pitchFamily="34" charset="0"/>
-              </a:rPr>
-              <a:t>』 </a:t>
-            </a:r>
-            <a:r>
-              <a:rPr lang="ko-KR" altLang="en-US" dirty="0">
-                <a:effectLst/>
-                <a:latin typeface="Arial" panose="020B0604020202020204" pitchFamily="34" charset="0"/>
-              </a:rPr>
-              <a:t>발표를 시작하겠습니다</a:t>
-            </a:r>
-            <a:r>
-              <a:rPr lang="en-US" altLang="ko-KR" dirty="0">
-                <a:effectLst/>
-                <a:latin typeface="Arial" panose="020B0604020202020204" pitchFamily="34" charset="0"/>
-              </a:rPr>
-              <a:t>. </a:t>
-            </a:r>
-          </a:p>
-          <a:p>
-            <a:r>
-              <a:rPr lang="ko-KR" altLang="en-US" dirty="0">
-                <a:effectLst/>
-                <a:latin typeface="Arial" panose="020B0604020202020204" pitchFamily="34" charset="0"/>
-              </a:rPr>
-              <a:t>저는 발표를 맡은 박수연이며</a:t>
-            </a:r>
-            <a:r>
-              <a:rPr lang="en-US" altLang="ko-KR" dirty="0">
-                <a:effectLst/>
-                <a:latin typeface="Arial" panose="020B0604020202020204" pitchFamily="34" charset="0"/>
-              </a:rPr>
-              <a:t>, </a:t>
-            </a:r>
-            <a:r>
-              <a:rPr lang="ko-KR" altLang="en-US" dirty="0">
-                <a:effectLst/>
-                <a:latin typeface="Arial" panose="020B0604020202020204" pitchFamily="34" charset="0"/>
-              </a:rPr>
-              <a:t>저희 팀원 권준호</a:t>
-            </a:r>
-            <a:r>
-              <a:rPr lang="en-US" altLang="ko-KR" dirty="0">
-                <a:effectLst/>
-                <a:latin typeface="Arial" panose="020B0604020202020204" pitchFamily="34" charset="0"/>
-              </a:rPr>
-              <a:t>, </a:t>
-            </a:r>
-            <a:r>
-              <a:rPr lang="ko-KR" altLang="en-US" dirty="0">
-                <a:effectLst/>
-                <a:latin typeface="Arial" panose="020B0604020202020204" pitchFamily="34" charset="0"/>
-              </a:rPr>
-              <a:t>정현일과 함께 진행한 논문 리뷰를 </a:t>
-            </a:r>
-            <a:r>
-              <a:rPr lang="ko-KR" altLang="en-US" dirty="0" err="1">
-                <a:effectLst/>
-                <a:latin typeface="Arial" panose="020B0604020202020204" pitchFamily="34" charset="0"/>
-              </a:rPr>
-              <a:t>공유드리겠습니다</a:t>
-            </a:r>
-            <a:r>
-              <a:rPr lang="en-US" altLang="ko-KR" dirty="0">
-                <a:effectLst/>
-                <a:latin typeface="Arial" panose="020B0604020202020204" pitchFamily="34" charset="0"/>
-              </a:rPr>
-              <a:t>. </a:t>
-            </a:r>
+            <a:endParaRPr lang="en-US" altLang="ko-KR" dirty="0">
+              <a:effectLst/>
+              <a:latin typeface="Arial" panose="020B0604020202020204" pitchFamily="34" charset="0"/>
+            </a:endParaRPr>
           </a:p>
         </p:txBody>
       </p:sp>
